--- a/presentation/Java webminar part 2.potx.pptx
+++ b/presentation/Java webminar part 2.potx.pptx
@@ -5,13 +5,18 @@
     <p:sldMasterId id="2147483648" r:id="rId1"/>
   </p:sldMasterIdLst>
   <p:notesMasterIdLst>
-    <p:notesMasterId r:id="rId6"/>
+    <p:notesMasterId r:id="rId11"/>
   </p:notesMasterIdLst>
   <p:sldIdLst>
     <p:sldId id="257" r:id="rId2"/>
     <p:sldId id="258" r:id="rId3"/>
     <p:sldId id="265" r:id="rId4"/>
     <p:sldId id="266" r:id="rId5"/>
+    <p:sldId id="267" r:id="rId6"/>
+    <p:sldId id="269" r:id="rId7"/>
+    <p:sldId id="270" r:id="rId8"/>
+    <p:sldId id="271" r:id="rId9"/>
+    <p:sldId id="268" r:id="rId10"/>
   </p:sldIdLst>
   <p:sldSz cx="12192000" cy="6858000"/>
   <p:notesSz cx="6858000" cy="9144000"/>
@@ -256,7 +261,7 @@
           <a:p>
             <a:fld id="{81169884-818A-4134-8A1D-C9395B2A8FBB}" type="datetimeFigureOut">
               <a:rPr lang="ru-RU" smtClean="0"/>
-              <a:t>09.11.2016</a:t>
+              <a:t>11.11.2016</a:t>
             </a:fld>
             <a:endParaRPr lang="ru-RU"/>
           </a:p>
@@ -682,6 +687,426 @@
     <p:extLst>
       <p:ext uri="{BB962C8B-B14F-4D97-AF65-F5344CB8AC3E}">
         <p14:creationId xmlns:p14="http://schemas.microsoft.com/office/powerpoint/2010/main" val="815177866"/>
+      </p:ext>
+    </p:extLst>
+  </p:cSld>
+  <p:clrMapOvr>
+    <a:masterClrMapping/>
+  </p:clrMapOvr>
+</p:notes>
+</file>
+
+<file path=ppt/notesSlides/notesSlide3.xml><?xml version="1.0" encoding="utf-8"?>
+<p:notes xmlns:a="http://schemas.openxmlformats.org/drawingml/2006/main" xmlns:r="http://schemas.openxmlformats.org/officeDocument/2006/relationships" xmlns:p="http://schemas.openxmlformats.org/presentationml/2006/main">
+  <p:cSld>
+    <p:spTree>
+      <p:nvGrpSpPr>
+        <p:cNvPr id="1" name=""/>
+        <p:cNvGrpSpPr/>
+        <p:nvPr/>
+      </p:nvGrpSpPr>
+      <p:grpSpPr>
+        <a:xfrm>
+          <a:off x="0" y="0"/>
+          <a:ext cx="0" cy="0"/>
+          <a:chOff x="0" y="0"/>
+          <a:chExt cx="0" cy="0"/>
+        </a:xfrm>
+      </p:grpSpPr>
+      <p:sp>
+        <p:nvSpPr>
+          <p:cNvPr id="2" name="Образ слайда 1"/>
+          <p:cNvSpPr>
+            <a:spLocks noGrp="1" noRot="1" noChangeAspect="1"/>
+          </p:cNvSpPr>
+          <p:nvPr>
+            <p:ph type="sldImg"/>
+          </p:nvPr>
+        </p:nvSpPr>
+        <p:spPr/>
+      </p:sp>
+      <p:sp>
+        <p:nvSpPr>
+          <p:cNvPr id="3" name="Заметки 2"/>
+          <p:cNvSpPr>
+            <a:spLocks noGrp="1"/>
+          </p:cNvSpPr>
+          <p:nvPr>
+            <p:ph type="body" idx="1"/>
+          </p:nvPr>
+        </p:nvSpPr>
+        <p:spPr/>
+        <p:txBody>
+          <a:bodyPr/>
+          <a:lstStyle/>
+          <a:p>
+            <a:endParaRPr lang="ru-RU"/>
+          </a:p>
+        </p:txBody>
+      </p:sp>
+      <p:sp>
+        <p:nvSpPr>
+          <p:cNvPr id="4" name="Номер слайда 3"/>
+          <p:cNvSpPr>
+            <a:spLocks noGrp="1"/>
+          </p:cNvSpPr>
+          <p:nvPr>
+            <p:ph type="sldNum" sz="quarter" idx="10"/>
+          </p:nvPr>
+        </p:nvSpPr>
+        <p:spPr/>
+        <p:txBody>
+          <a:bodyPr/>
+          <a:lstStyle/>
+          <a:p>
+            <a:fld id="{E3DA3008-C384-4B43-94E8-65D2E1FD0092}" type="slidenum">
+              <a:rPr lang="ru-RU" smtClean="0"/>
+              <a:t>5</a:t>
+            </a:fld>
+            <a:endParaRPr lang="ru-RU"/>
+          </a:p>
+        </p:txBody>
+      </p:sp>
+    </p:spTree>
+    <p:extLst>
+      <p:ext uri="{BB962C8B-B14F-4D97-AF65-F5344CB8AC3E}">
+        <p14:creationId xmlns:p14="http://schemas.microsoft.com/office/powerpoint/2010/main" val="3043690813"/>
+      </p:ext>
+    </p:extLst>
+  </p:cSld>
+  <p:clrMapOvr>
+    <a:masterClrMapping/>
+  </p:clrMapOvr>
+</p:notes>
+</file>
+
+<file path=ppt/notesSlides/notesSlide4.xml><?xml version="1.0" encoding="utf-8"?>
+<p:notes xmlns:a="http://schemas.openxmlformats.org/drawingml/2006/main" xmlns:r="http://schemas.openxmlformats.org/officeDocument/2006/relationships" xmlns:p="http://schemas.openxmlformats.org/presentationml/2006/main">
+  <p:cSld>
+    <p:spTree>
+      <p:nvGrpSpPr>
+        <p:cNvPr id="1" name=""/>
+        <p:cNvGrpSpPr/>
+        <p:nvPr/>
+      </p:nvGrpSpPr>
+      <p:grpSpPr>
+        <a:xfrm>
+          <a:off x="0" y="0"/>
+          <a:ext cx="0" cy="0"/>
+          <a:chOff x="0" y="0"/>
+          <a:chExt cx="0" cy="0"/>
+        </a:xfrm>
+      </p:grpSpPr>
+      <p:sp>
+        <p:nvSpPr>
+          <p:cNvPr id="2" name="Образ слайда 1"/>
+          <p:cNvSpPr>
+            <a:spLocks noGrp="1" noRot="1" noChangeAspect="1"/>
+          </p:cNvSpPr>
+          <p:nvPr>
+            <p:ph type="sldImg"/>
+          </p:nvPr>
+        </p:nvSpPr>
+        <p:spPr/>
+      </p:sp>
+      <p:sp>
+        <p:nvSpPr>
+          <p:cNvPr id="3" name="Заметки 2"/>
+          <p:cNvSpPr>
+            <a:spLocks noGrp="1"/>
+          </p:cNvSpPr>
+          <p:nvPr>
+            <p:ph type="body" idx="1"/>
+          </p:nvPr>
+        </p:nvSpPr>
+        <p:spPr/>
+        <p:txBody>
+          <a:bodyPr/>
+          <a:lstStyle/>
+          <a:p>
+            <a:endParaRPr lang="ru-RU"/>
+          </a:p>
+        </p:txBody>
+      </p:sp>
+      <p:sp>
+        <p:nvSpPr>
+          <p:cNvPr id="4" name="Номер слайда 3"/>
+          <p:cNvSpPr>
+            <a:spLocks noGrp="1"/>
+          </p:cNvSpPr>
+          <p:nvPr>
+            <p:ph type="sldNum" sz="quarter" idx="10"/>
+          </p:nvPr>
+        </p:nvSpPr>
+        <p:spPr/>
+        <p:txBody>
+          <a:bodyPr/>
+          <a:lstStyle/>
+          <a:p>
+            <a:fld id="{E3DA3008-C384-4B43-94E8-65D2E1FD0092}" type="slidenum">
+              <a:rPr lang="ru-RU" smtClean="0"/>
+              <a:t>6</a:t>
+            </a:fld>
+            <a:endParaRPr lang="ru-RU"/>
+          </a:p>
+        </p:txBody>
+      </p:sp>
+    </p:spTree>
+    <p:extLst>
+      <p:ext uri="{BB962C8B-B14F-4D97-AF65-F5344CB8AC3E}">
+        <p14:creationId xmlns:p14="http://schemas.microsoft.com/office/powerpoint/2010/main" val="2484203643"/>
+      </p:ext>
+    </p:extLst>
+  </p:cSld>
+  <p:clrMapOvr>
+    <a:masterClrMapping/>
+  </p:clrMapOvr>
+</p:notes>
+</file>
+
+<file path=ppt/notesSlides/notesSlide5.xml><?xml version="1.0" encoding="utf-8"?>
+<p:notes xmlns:a="http://schemas.openxmlformats.org/drawingml/2006/main" xmlns:r="http://schemas.openxmlformats.org/officeDocument/2006/relationships" xmlns:p="http://schemas.openxmlformats.org/presentationml/2006/main">
+  <p:cSld>
+    <p:spTree>
+      <p:nvGrpSpPr>
+        <p:cNvPr id="1" name=""/>
+        <p:cNvGrpSpPr/>
+        <p:nvPr/>
+      </p:nvGrpSpPr>
+      <p:grpSpPr>
+        <a:xfrm>
+          <a:off x="0" y="0"/>
+          <a:ext cx="0" cy="0"/>
+          <a:chOff x="0" y="0"/>
+          <a:chExt cx="0" cy="0"/>
+        </a:xfrm>
+      </p:grpSpPr>
+      <p:sp>
+        <p:nvSpPr>
+          <p:cNvPr id="2" name="Образ слайда 1"/>
+          <p:cNvSpPr>
+            <a:spLocks noGrp="1" noRot="1" noChangeAspect="1"/>
+          </p:cNvSpPr>
+          <p:nvPr>
+            <p:ph type="sldImg"/>
+          </p:nvPr>
+        </p:nvSpPr>
+        <p:spPr/>
+      </p:sp>
+      <p:sp>
+        <p:nvSpPr>
+          <p:cNvPr id="3" name="Заметки 2"/>
+          <p:cNvSpPr>
+            <a:spLocks noGrp="1"/>
+          </p:cNvSpPr>
+          <p:nvPr>
+            <p:ph type="body" idx="1"/>
+          </p:nvPr>
+        </p:nvSpPr>
+        <p:spPr/>
+        <p:txBody>
+          <a:bodyPr/>
+          <a:lstStyle/>
+          <a:p>
+            <a:endParaRPr lang="ru-RU"/>
+          </a:p>
+        </p:txBody>
+      </p:sp>
+      <p:sp>
+        <p:nvSpPr>
+          <p:cNvPr id="4" name="Номер слайда 3"/>
+          <p:cNvSpPr>
+            <a:spLocks noGrp="1"/>
+          </p:cNvSpPr>
+          <p:nvPr>
+            <p:ph type="sldNum" sz="quarter" idx="10"/>
+          </p:nvPr>
+        </p:nvSpPr>
+        <p:spPr/>
+        <p:txBody>
+          <a:bodyPr/>
+          <a:lstStyle/>
+          <a:p>
+            <a:fld id="{E3DA3008-C384-4B43-94E8-65D2E1FD0092}" type="slidenum">
+              <a:rPr lang="ru-RU" smtClean="0"/>
+              <a:t>7</a:t>
+            </a:fld>
+            <a:endParaRPr lang="ru-RU"/>
+          </a:p>
+        </p:txBody>
+      </p:sp>
+    </p:spTree>
+    <p:extLst>
+      <p:ext uri="{BB962C8B-B14F-4D97-AF65-F5344CB8AC3E}">
+        <p14:creationId xmlns:p14="http://schemas.microsoft.com/office/powerpoint/2010/main" val="3207682511"/>
+      </p:ext>
+    </p:extLst>
+  </p:cSld>
+  <p:clrMapOvr>
+    <a:masterClrMapping/>
+  </p:clrMapOvr>
+</p:notes>
+</file>
+
+<file path=ppt/notesSlides/notesSlide6.xml><?xml version="1.0" encoding="utf-8"?>
+<p:notes xmlns:a="http://schemas.openxmlformats.org/drawingml/2006/main" xmlns:r="http://schemas.openxmlformats.org/officeDocument/2006/relationships" xmlns:p="http://schemas.openxmlformats.org/presentationml/2006/main">
+  <p:cSld>
+    <p:spTree>
+      <p:nvGrpSpPr>
+        <p:cNvPr id="1" name=""/>
+        <p:cNvGrpSpPr/>
+        <p:nvPr/>
+      </p:nvGrpSpPr>
+      <p:grpSpPr>
+        <a:xfrm>
+          <a:off x="0" y="0"/>
+          <a:ext cx="0" cy="0"/>
+          <a:chOff x="0" y="0"/>
+          <a:chExt cx="0" cy="0"/>
+        </a:xfrm>
+      </p:grpSpPr>
+      <p:sp>
+        <p:nvSpPr>
+          <p:cNvPr id="2" name="Образ слайда 1"/>
+          <p:cNvSpPr>
+            <a:spLocks noGrp="1" noRot="1" noChangeAspect="1"/>
+          </p:cNvSpPr>
+          <p:nvPr>
+            <p:ph type="sldImg"/>
+          </p:nvPr>
+        </p:nvSpPr>
+        <p:spPr/>
+      </p:sp>
+      <p:sp>
+        <p:nvSpPr>
+          <p:cNvPr id="3" name="Заметки 2"/>
+          <p:cNvSpPr>
+            <a:spLocks noGrp="1"/>
+          </p:cNvSpPr>
+          <p:nvPr>
+            <p:ph type="body" idx="1"/>
+          </p:nvPr>
+        </p:nvSpPr>
+        <p:spPr/>
+        <p:txBody>
+          <a:bodyPr/>
+          <a:lstStyle/>
+          <a:p>
+            <a:endParaRPr lang="ru-RU"/>
+          </a:p>
+        </p:txBody>
+      </p:sp>
+      <p:sp>
+        <p:nvSpPr>
+          <p:cNvPr id="4" name="Номер слайда 3"/>
+          <p:cNvSpPr>
+            <a:spLocks noGrp="1"/>
+          </p:cNvSpPr>
+          <p:nvPr>
+            <p:ph type="sldNum" sz="quarter" idx="10"/>
+          </p:nvPr>
+        </p:nvSpPr>
+        <p:spPr/>
+        <p:txBody>
+          <a:bodyPr/>
+          <a:lstStyle/>
+          <a:p>
+            <a:fld id="{E3DA3008-C384-4B43-94E8-65D2E1FD0092}" type="slidenum">
+              <a:rPr lang="ru-RU" smtClean="0"/>
+              <a:t>8</a:t>
+            </a:fld>
+            <a:endParaRPr lang="ru-RU"/>
+          </a:p>
+        </p:txBody>
+      </p:sp>
+    </p:spTree>
+    <p:extLst>
+      <p:ext uri="{BB962C8B-B14F-4D97-AF65-F5344CB8AC3E}">
+        <p14:creationId xmlns:p14="http://schemas.microsoft.com/office/powerpoint/2010/main" val="2048159112"/>
+      </p:ext>
+    </p:extLst>
+  </p:cSld>
+  <p:clrMapOvr>
+    <a:masterClrMapping/>
+  </p:clrMapOvr>
+</p:notes>
+</file>
+
+<file path=ppt/notesSlides/notesSlide7.xml><?xml version="1.0" encoding="utf-8"?>
+<p:notes xmlns:a="http://schemas.openxmlformats.org/drawingml/2006/main" xmlns:r="http://schemas.openxmlformats.org/officeDocument/2006/relationships" xmlns:p="http://schemas.openxmlformats.org/presentationml/2006/main">
+  <p:cSld>
+    <p:spTree>
+      <p:nvGrpSpPr>
+        <p:cNvPr id="1" name=""/>
+        <p:cNvGrpSpPr/>
+        <p:nvPr/>
+      </p:nvGrpSpPr>
+      <p:grpSpPr>
+        <a:xfrm>
+          <a:off x="0" y="0"/>
+          <a:ext cx="0" cy="0"/>
+          <a:chOff x="0" y="0"/>
+          <a:chExt cx="0" cy="0"/>
+        </a:xfrm>
+      </p:grpSpPr>
+      <p:sp>
+        <p:nvSpPr>
+          <p:cNvPr id="2" name="Образ слайда 1"/>
+          <p:cNvSpPr>
+            <a:spLocks noGrp="1" noRot="1" noChangeAspect="1"/>
+          </p:cNvSpPr>
+          <p:nvPr>
+            <p:ph type="sldImg"/>
+          </p:nvPr>
+        </p:nvSpPr>
+        <p:spPr/>
+      </p:sp>
+      <p:sp>
+        <p:nvSpPr>
+          <p:cNvPr id="3" name="Заметки 2"/>
+          <p:cNvSpPr>
+            <a:spLocks noGrp="1"/>
+          </p:cNvSpPr>
+          <p:nvPr>
+            <p:ph type="body" idx="1"/>
+          </p:nvPr>
+        </p:nvSpPr>
+        <p:spPr/>
+        <p:txBody>
+          <a:bodyPr/>
+          <a:lstStyle/>
+          <a:p>
+            <a:endParaRPr lang="ru-RU"/>
+          </a:p>
+        </p:txBody>
+      </p:sp>
+      <p:sp>
+        <p:nvSpPr>
+          <p:cNvPr id="4" name="Номер слайда 3"/>
+          <p:cNvSpPr>
+            <a:spLocks noGrp="1"/>
+          </p:cNvSpPr>
+          <p:nvPr>
+            <p:ph type="sldNum" sz="quarter" idx="10"/>
+          </p:nvPr>
+        </p:nvSpPr>
+        <p:spPr/>
+        <p:txBody>
+          <a:bodyPr/>
+          <a:lstStyle/>
+          <a:p>
+            <a:fld id="{E3DA3008-C384-4B43-94E8-65D2E1FD0092}" type="slidenum">
+              <a:rPr lang="ru-RU" smtClean="0"/>
+              <a:t>6</a:t>
+            </a:fld>
+            <a:endParaRPr lang="ru-RU"/>
+          </a:p>
+        </p:txBody>
+      </p:sp>
+    </p:spTree>
+    <p:extLst>
+      <p:ext uri="{BB962C8B-B14F-4D97-AF65-F5344CB8AC3E}">
+        <p14:creationId xmlns:p14="http://schemas.microsoft.com/office/powerpoint/2010/main" val="1345918557"/>
       </p:ext>
     </p:extLst>
   </p:cSld>
@@ -7268,6 +7693,25 @@
               </a:rPr>
               <a:t>Продолжение "Темной магии игр". Взаимодействие объектов и озвучка.</a:t>
             </a:r>
+            <a:endParaRPr lang="ru-RU" dirty="0">
+              <a:solidFill>
+                <a:schemeClr val="tx1"/>
+              </a:solidFill>
+            </a:endParaRPr>
+          </a:p>
+          <a:p>
+            <a:pPr marL="457200" indent="-457200">
+              <a:buFont typeface="+mj-lt"/>
+              <a:buAutoNum type="arabicPeriod"/>
+            </a:pPr>
+            <a:r>
+              <a:rPr lang="RU-RU" dirty="0">
+                <a:solidFill>
+                  <a:schemeClr val="tx1"/>
+                </a:solidFill>
+              </a:rPr>
+              <a:t>Конкурсное задание</a:t>
+            </a:r>
           </a:p>
         </p:txBody>
       </p:sp>
@@ -7487,6 +7931,906 @@
     <p:extLst>
       <p:ext uri="{BB962C8B-B14F-4D97-AF65-F5344CB8AC3E}">
         <p14:creationId xmlns:p14="http://schemas.microsoft.com/office/powerpoint/2010/main" val="1044480816"/>
+      </p:ext>
+    </p:extLst>
+  </p:cSld>
+  <p:clrMapOvr>
+    <a:masterClrMapping/>
+  </p:clrMapOvr>
+</p:sld>
+</file>
+
+<file path=ppt/slides/slide5.xml><?xml version="1.0" encoding="utf-8"?>
+<p:sld xmlns:a="http://schemas.openxmlformats.org/drawingml/2006/main" xmlns:r="http://schemas.openxmlformats.org/officeDocument/2006/relationships" xmlns:p="http://schemas.openxmlformats.org/presentationml/2006/main">
+  <p:cSld>
+    <p:spTree>
+      <p:nvGrpSpPr>
+        <p:cNvPr id="1" name=""/>
+        <p:cNvGrpSpPr/>
+        <p:nvPr/>
+      </p:nvGrpSpPr>
+      <p:grpSpPr>
+        <a:xfrm>
+          <a:off x="0" y="0"/>
+          <a:ext cx="0" cy="0"/>
+          <a:chOff x="0" y="0"/>
+          <a:chExt cx="0" cy="0"/>
+        </a:xfrm>
+      </p:grpSpPr>
+      <p:sp>
+        <p:nvSpPr>
+          <p:cNvPr id="2" name="Заголовок 1"/>
+          <p:cNvSpPr>
+            <a:spLocks noGrp="1"/>
+          </p:cNvSpPr>
+          <p:nvPr>
+            <p:ph type="title"/>
+          </p:nvPr>
+        </p:nvSpPr>
+        <p:spPr/>
+        <p:txBody>
+          <a:bodyPr/>
+          <a:lstStyle/>
+          <a:p>
+            <a:r>
+              <a:rPr lang="RU-RU" dirty="0"/>
+              <a:t>Конкурс</a:t>
+            </a:r>
+            <a:endParaRPr lang="ru-RU" dirty="0"/>
+          </a:p>
+        </p:txBody>
+      </p:sp>
+      <p:sp>
+        <p:nvSpPr>
+          <p:cNvPr id="3" name="Объект 2"/>
+          <p:cNvSpPr>
+            <a:spLocks noGrp="1"/>
+          </p:cNvSpPr>
+          <p:nvPr>
+            <p:ph idx="1"/>
+          </p:nvPr>
+        </p:nvSpPr>
+        <p:spPr>
+          <a:xfrm>
+            <a:off x="1512000" y="1914525"/>
+            <a:ext cx="9169400" cy="3586539"/>
+          </a:xfrm>
+        </p:spPr>
+        <p:txBody>
+          <a:bodyPr vert="horz" lIns="91440" tIns="45720" rIns="91440" bIns="45720" rtlCol="0" anchor="ctr">
+            <a:normAutofit/>
+          </a:bodyPr>
+          <a:lstStyle/>
+          <a:p>
+            <a:pPr algn="ctr"/>
+            <a:r>
+              <a:rPr lang="RU-RU" dirty="0">
+                <a:latin typeface="Calibri"/>
+              </a:rPr>
+              <a:t>Выполни конкурсное задание за 1 неделю.</a:t>
+            </a:r>
+            <a:endParaRPr lang="ru-RU" dirty="0">
+              <a:latin typeface="Calibri"/>
+            </a:endParaRPr>
+          </a:p>
+          <a:p>
+            <a:pPr algn="ctr"/>
+            <a:r>
+              <a:rPr lang="RU-RU" dirty="0">
+                <a:solidFill>
+                  <a:schemeClr val="tx1"/>
+                </a:solidFill>
+                <a:latin typeface="Calibri"/>
+              </a:rPr>
+              <a:t>Пришли результат на E-</a:t>
+            </a:r>
+            <a:r>
+              <a:rPr lang="RU-RU" dirty="0" err="1">
+                <a:solidFill>
+                  <a:schemeClr val="tx1"/>
+                </a:solidFill>
+                <a:latin typeface="Calibri"/>
+              </a:rPr>
+              <a:t>mail</a:t>
+            </a:r>
+            <a:r>
+              <a:rPr lang="RU-RU" dirty="0">
+                <a:solidFill>
+                  <a:schemeClr val="tx1"/>
+                </a:solidFill>
+                <a:latin typeface="Calibri"/>
+              </a:rPr>
+              <a:t>:</a:t>
+            </a:r>
+            <a:r>
+              <a:rPr lang="RU-RU" b="1" dirty="0">
+                <a:solidFill>
+                  <a:schemeClr val="tx1"/>
+                </a:solidFill>
+                <a:latin typeface="Calibri"/>
+              </a:rPr>
+              <a:t> </a:t>
+            </a:r>
+            <a:r>
+              <a:rPr lang="AF-ZA" dirty="0">
+                <a:solidFill>
+                  <a:schemeClr val="tx1"/>
+                </a:solidFill>
+                <a:latin typeface="Arial"/>
+                <a:hlinkClick r:id="rId3"/>
+              </a:rPr>
+              <a:t>java@geekweekconf.com</a:t>
+            </a:r>
+            <a:r>
+              <a:rPr lang="RU-RU" dirty="0">
+                <a:solidFill>
+                  <a:schemeClr val="tx1"/>
+                </a:solidFill>
+                <a:latin typeface="Arial"/>
+              </a:rPr>
+              <a:t> </a:t>
+            </a:r>
+            <a:r>
+              <a:rPr lang="RU-RU" dirty="0">
+                <a:solidFill>
+                  <a:srgbClr val="000000"/>
+                </a:solidFill>
+                <a:latin typeface="Arial"/>
+              </a:rPr>
+              <a:t> </a:t>
+            </a:r>
+            <a:endParaRPr lang="ru-RU">
+              <a:solidFill>
+                <a:srgbClr val="000000"/>
+              </a:solidFill>
+              <a:latin typeface="Arial"/>
+            </a:endParaRPr>
+          </a:p>
+          <a:p>
+            <a:pPr algn="ctr"/>
+            <a:r>
+              <a:rPr lang="RU-RU" dirty="0">
+                <a:solidFill>
+                  <a:schemeClr val="tx1"/>
+                </a:solidFill>
+                <a:latin typeface="Calibri"/>
+              </a:rPr>
+              <a:t>Войди в 5 лучших работ.</a:t>
+            </a:r>
+            <a:endParaRPr lang="ru-RU" dirty="0">
+              <a:solidFill>
+                <a:schemeClr val="tx1"/>
+              </a:solidFill>
+              <a:latin typeface="Calibri"/>
+            </a:endParaRPr>
+          </a:p>
+          <a:p>
+            <a:pPr algn="ctr"/>
+            <a:r>
+              <a:rPr lang="RU-RU" dirty="0">
+                <a:solidFill>
+                  <a:schemeClr val="tx1"/>
+                </a:solidFill>
+                <a:latin typeface="Calibri"/>
+              </a:rPr>
+              <a:t>И получи по курсу от </a:t>
+            </a:r>
+            <a:r>
+              <a:rPr lang="RU-RU" dirty="0" err="1">
+                <a:solidFill>
+                  <a:schemeClr val="tx1"/>
+                </a:solidFill>
+                <a:latin typeface="Calibri"/>
+              </a:rPr>
+              <a:t>GeekBrains</a:t>
+            </a:r>
+            <a:r>
+              <a:rPr lang="RU-RU" dirty="0">
+                <a:solidFill>
+                  <a:schemeClr val="tx1"/>
+                </a:solidFill>
+                <a:latin typeface="Calibri"/>
+              </a:rPr>
+              <a:t> на свой выбор в подарок.</a:t>
+            </a:r>
+            <a:endParaRPr lang="ru-RU" dirty="0">
+              <a:solidFill>
+                <a:schemeClr val="tx1"/>
+              </a:solidFill>
+              <a:latin typeface="Calibri"/>
+            </a:endParaRPr>
+          </a:p>
+        </p:txBody>
+      </p:sp>
+    </p:spTree>
+    <p:extLst>
+      <p:ext uri="{BB962C8B-B14F-4D97-AF65-F5344CB8AC3E}">
+        <p14:creationId xmlns:p14="http://schemas.microsoft.com/office/powerpoint/2010/main" val="592167020"/>
+      </p:ext>
+    </p:extLst>
+  </p:cSld>
+  <p:clrMapOvr>
+    <a:masterClrMapping/>
+  </p:clrMapOvr>
+</p:sld>
+</file>
+
+<file path=ppt/slides/slide6.xml><?xml version="1.0" encoding="utf-8"?>
+<p:sld xmlns:a="http://schemas.openxmlformats.org/drawingml/2006/main" xmlns:r="http://schemas.openxmlformats.org/officeDocument/2006/relationships" xmlns:p="http://schemas.openxmlformats.org/presentationml/2006/main">
+  <p:cSld>
+    <p:spTree>
+      <p:nvGrpSpPr>
+        <p:cNvPr id="1" name=""/>
+        <p:cNvGrpSpPr/>
+        <p:nvPr/>
+      </p:nvGrpSpPr>
+      <p:grpSpPr>
+        <a:xfrm>
+          <a:off x="0" y="0"/>
+          <a:ext cx="0" cy="0"/>
+          <a:chOff x="0" y="0"/>
+          <a:chExt cx="0" cy="0"/>
+        </a:xfrm>
+      </p:grpSpPr>
+      <p:sp>
+        <p:nvSpPr>
+          <p:cNvPr id="2" name="Заголовок 1"/>
+          <p:cNvSpPr>
+            <a:spLocks noGrp="1"/>
+          </p:cNvSpPr>
+          <p:nvPr>
+            <p:ph type="title"/>
+          </p:nvPr>
+        </p:nvSpPr>
+        <p:spPr/>
+        <p:txBody>
+          <a:bodyPr/>
+          <a:lstStyle/>
+          <a:p>
+            <a:r>
+              <a:rPr lang="RU-RU" dirty="0"/>
+              <a:t>Конкурс</a:t>
+            </a:r>
+            <a:endParaRPr lang="ru-RU" dirty="0"/>
+          </a:p>
+        </p:txBody>
+      </p:sp>
+      <p:sp>
+        <p:nvSpPr>
+          <p:cNvPr id="3" name="Объект 2"/>
+          <p:cNvSpPr>
+            <a:spLocks noGrp="1"/>
+          </p:cNvSpPr>
+          <p:nvPr>
+            <p:ph idx="1"/>
+          </p:nvPr>
+        </p:nvSpPr>
+        <p:spPr>
+          <a:xfrm>
+            <a:off x="1511300" y="1963103"/>
+            <a:ext cx="9169400" cy="4517072"/>
+          </a:xfrm>
+        </p:spPr>
+        <p:txBody>
+          <a:bodyPr vert="horz" lIns="91440" tIns="45720" rIns="91440" bIns="45720" rtlCol="0" anchor="t">
+            <a:normAutofit/>
+          </a:bodyPr>
+          <a:lstStyle/>
+          <a:p>
+            <a:r>
+              <a:rPr lang="RU-RU" dirty="0">
+                <a:solidFill>
+                  <a:srgbClr val="1F4D78"/>
+                </a:solidFill>
+                <a:latin typeface="Calibri Light"/>
+              </a:rPr>
+              <a:t>Вариант А (простое) </a:t>
+            </a:r>
+            <a:endParaRPr lang="ru-RU" dirty="0">
+              <a:solidFill>
+                <a:srgbClr val="1F4D78"/>
+              </a:solidFill>
+              <a:latin typeface="Calibri Light"/>
+            </a:endParaRPr>
+          </a:p>
+          <a:p>
+            <a:r>
+              <a:rPr lang="RU-RU" dirty="0">
+                <a:solidFill>
+                  <a:schemeClr val="tx1"/>
+                </a:solidFill>
+                <a:latin typeface="Calibri"/>
+              </a:rPr>
+              <a:t>Написать текстовую игру на удобную для вас тему на 10-20 ходов игрока. (Пример: </a:t>
+            </a:r>
+            <a:r>
+              <a:rPr lang="RU-RU" u="sng" dirty="0">
+                <a:solidFill>
+                  <a:srgbClr val="0563C1"/>
+                </a:solidFill>
+                <a:latin typeface="Calibri"/>
+                <a:hlinkClick r:id="rId3"/>
+              </a:rPr>
+              <a:t>https://play.google.com/store/apps/details?id=com.threeminutegames.lifeline.google&amp;hl=ru</a:t>
+            </a:r>
+            <a:r>
+              <a:rPr lang="RU-RU" dirty="0">
+                <a:solidFill>
+                  <a:schemeClr val="tx1"/>
+                </a:solidFill>
+                <a:latin typeface="Calibri"/>
+              </a:rPr>
+              <a:t>)</a:t>
+            </a:r>
+            <a:r>
+              <a:rPr lang="AF-ZA" dirty="0">
+                <a:solidFill>
+                  <a:schemeClr val="tx1"/>
+                </a:solidFill>
+                <a:latin typeface="Calibri"/>
+              </a:rPr>
+              <a:t> </a:t>
+            </a:r>
+            <a:endParaRPr lang="af-ZA" dirty="0">
+              <a:solidFill>
+                <a:schemeClr val="tx1"/>
+              </a:solidFill>
+              <a:latin typeface="Calibri"/>
+            </a:endParaRPr>
+          </a:p>
+        </p:txBody>
+      </p:sp>
+    </p:spTree>
+    <p:extLst>
+      <p:ext uri="{BB962C8B-B14F-4D97-AF65-F5344CB8AC3E}">
+        <p14:creationId xmlns:p14="http://schemas.microsoft.com/office/powerpoint/2010/main" val="2602556878"/>
+      </p:ext>
+    </p:extLst>
+  </p:cSld>
+  <p:clrMapOvr>
+    <a:masterClrMapping/>
+  </p:clrMapOvr>
+</p:sld>
+</file>
+
+<file path=ppt/slides/slide7.xml><?xml version="1.0" encoding="utf-8"?>
+<p:sld xmlns:a="http://schemas.openxmlformats.org/drawingml/2006/main" xmlns:r="http://schemas.openxmlformats.org/officeDocument/2006/relationships" xmlns:p="http://schemas.openxmlformats.org/presentationml/2006/main">
+  <p:cSld>
+    <p:spTree>
+      <p:nvGrpSpPr>
+        <p:cNvPr id="1" name=""/>
+        <p:cNvGrpSpPr/>
+        <p:nvPr/>
+      </p:nvGrpSpPr>
+      <p:grpSpPr>
+        <a:xfrm>
+          <a:off x="0" y="0"/>
+          <a:ext cx="0" cy="0"/>
+          <a:chOff x="0" y="0"/>
+          <a:chExt cx="0" cy="0"/>
+        </a:xfrm>
+      </p:grpSpPr>
+      <p:sp>
+        <p:nvSpPr>
+          <p:cNvPr id="2" name="Заголовок 1"/>
+          <p:cNvSpPr>
+            <a:spLocks noGrp="1"/>
+          </p:cNvSpPr>
+          <p:nvPr>
+            <p:ph type="title"/>
+          </p:nvPr>
+        </p:nvSpPr>
+        <p:spPr/>
+        <p:txBody>
+          <a:bodyPr/>
+          <a:lstStyle/>
+          <a:p>
+            <a:r>
+              <a:rPr lang="RU-RU" dirty="0"/>
+              <a:t>Конкурс</a:t>
+            </a:r>
+            <a:endParaRPr lang="ru-RU" dirty="0"/>
+          </a:p>
+        </p:txBody>
+      </p:sp>
+      <p:sp>
+        <p:nvSpPr>
+          <p:cNvPr id="3" name="Объект 2"/>
+          <p:cNvSpPr>
+            <a:spLocks noGrp="1"/>
+          </p:cNvSpPr>
+          <p:nvPr>
+            <p:ph idx="1"/>
+          </p:nvPr>
+        </p:nvSpPr>
+        <p:spPr>
+          <a:xfrm>
+            <a:off x="1511300" y="1963103"/>
+            <a:ext cx="9169400" cy="4517072"/>
+          </a:xfrm>
+        </p:spPr>
+        <p:txBody>
+          <a:bodyPr vert="horz" lIns="91440" tIns="45720" rIns="91440" bIns="45720" rtlCol="0" anchor="t">
+            <a:normAutofit/>
+          </a:bodyPr>
+          <a:lstStyle/>
+          <a:p>
+            <a:r>
+              <a:rPr lang="RU-RU" dirty="0">
+                <a:solidFill>
+                  <a:srgbClr val="1F4D78"/>
+                </a:solidFill>
+                <a:latin typeface="Calibri Light"/>
+              </a:rPr>
+              <a:t>Вариант Б (среднее) </a:t>
+            </a:r>
+          </a:p>
+          <a:p>
+            <a:r>
+              <a:rPr lang="RU-RU" dirty="0">
+                <a:solidFill>
+                  <a:schemeClr val="tx1"/>
+                </a:solidFill>
+                <a:latin typeface="Calibri"/>
+              </a:rPr>
+              <a:t>Исправить наш пример игры на </a:t>
+            </a:r>
+            <a:r>
+              <a:rPr lang="RU-RU" dirty="0" err="1">
+                <a:solidFill>
+                  <a:schemeClr val="tx1"/>
+                </a:solidFill>
+                <a:latin typeface="Calibri"/>
+              </a:rPr>
+              <a:t>LibGDX</a:t>
+            </a:r>
+            <a:r>
+              <a:rPr lang="RU-RU" dirty="0">
+                <a:solidFill>
+                  <a:schemeClr val="tx1"/>
+                </a:solidFill>
+                <a:latin typeface="Calibri"/>
+              </a:rPr>
+              <a:t>: </a:t>
+            </a:r>
+            <a:endParaRPr lang="ru-RU" dirty="0">
+              <a:solidFill>
+                <a:schemeClr val="tx1"/>
+              </a:solidFill>
+              <a:latin typeface="Calibri"/>
+            </a:endParaRPr>
+          </a:p>
+          <a:p>
+            <a:pPr marL="342900" indent="-342900">
+              <a:buFont typeface="Arial" panose="020B0604020202020204" pitchFamily="34" charset="0"/>
+              <a:buChar char="•"/>
+            </a:pPr>
+            <a:r>
+              <a:rPr lang="RU-RU" dirty="0">
+                <a:solidFill>
+                  <a:schemeClr val="tx1"/>
+                </a:solidFill>
+                <a:latin typeface="Calibri"/>
+              </a:rPr>
+              <a:t>Сделать падение звезд по одной через случайные промежутки времени </a:t>
+            </a:r>
+            <a:endParaRPr lang="ru-RU" dirty="0">
+              <a:solidFill>
+                <a:schemeClr val="tx1"/>
+              </a:solidFill>
+              <a:latin typeface="Calibri"/>
+            </a:endParaRPr>
+          </a:p>
+          <a:p>
+            <a:pPr marL="342900" indent="-342900">
+              <a:buFont typeface="Arial" panose="020B0604020202020204" pitchFamily="34" charset="0"/>
+              <a:buChar char="•"/>
+            </a:pPr>
+            <a:r>
+              <a:rPr lang="RU-RU" dirty="0">
+                <a:solidFill>
+                  <a:schemeClr val="tx1"/>
+                </a:solidFill>
+                <a:latin typeface="Calibri"/>
+              </a:rPr>
+              <a:t>Сделать корректную обработку столкновения с нижней границей платформ (сейчас игрок прилипает) </a:t>
+            </a:r>
+            <a:endParaRPr lang="ru-RU" dirty="0">
+              <a:solidFill>
+                <a:schemeClr val="tx1"/>
+              </a:solidFill>
+              <a:latin typeface="Calibri"/>
+            </a:endParaRPr>
+          </a:p>
+          <a:p>
+            <a:pPr marL="342900" indent="-342900">
+              <a:buFont typeface="Arial" panose="020B0604020202020204" pitchFamily="34" charset="0"/>
+              <a:buChar char="•"/>
+            </a:pPr>
+            <a:r>
+              <a:rPr lang="RU-RU" dirty="0">
+                <a:solidFill>
+                  <a:schemeClr val="tx1"/>
+                </a:solidFill>
+                <a:latin typeface="Calibri"/>
+              </a:rPr>
+              <a:t>Убрать возможность  проходить сквозь платформы, после прилипания игрока к ним </a:t>
+            </a:r>
+            <a:endParaRPr lang="ru-RU" dirty="0">
+              <a:solidFill>
+                <a:schemeClr val="tx1"/>
+              </a:solidFill>
+              <a:latin typeface="Calibri"/>
+            </a:endParaRPr>
+          </a:p>
+        </p:txBody>
+      </p:sp>
+    </p:spTree>
+    <p:extLst>
+      <p:ext uri="{BB962C8B-B14F-4D97-AF65-F5344CB8AC3E}">
+        <p14:creationId xmlns:p14="http://schemas.microsoft.com/office/powerpoint/2010/main" val="1078726416"/>
+      </p:ext>
+    </p:extLst>
+  </p:cSld>
+  <p:clrMapOvr>
+    <a:masterClrMapping/>
+  </p:clrMapOvr>
+</p:sld>
+</file>
+
+<file path=ppt/slides/slide8.xml><?xml version="1.0" encoding="utf-8"?>
+<p:sld xmlns:a="http://schemas.openxmlformats.org/drawingml/2006/main" xmlns:r="http://schemas.openxmlformats.org/officeDocument/2006/relationships" xmlns:p="http://schemas.openxmlformats.org/presentationml/2006/main">
+  <p:cSld>
+    <p:spTree>
+      <p:nvGrpSpPr>
+        <p:cNvPr id="1" name=""/>
+        <p:cNvGrpSpPr/>
+        <p:nvPr/>
+      </p:nvGrpSpPr>
+      <p:grpSpPr>
+        <a:xfrm>
+          <a:off x="0" y="0"/>
+          <a:ext cx="0" cy="0"/>
+          <a:chOff x="0" y="0"/>
+          <a:chExt cx="0" cy="0"/>
+        </a:xfrm>
+      </p:grpSpPr>
+      <p:sp>
+        <p:nvSpPr>
+          <p:cNvPr id="2" name="Заголовок 1"/>
+          <p:cNvSpPr>
+            <a:spLocks noGrp="1"/>
+          </p:cNvSpPr>
+          <p:nvPr>
+            <p:ph type="title"/>
+          </p:nvPr>
+        </p:nvSpPr>
+        <p:spPr/>
+        <p:txBody>
+          <a:bodyPr/>
+          <a:lstStyle/>
+          <a:p>
+            <a:r>
+              <a:rPr lang="RU-RU" dirty="0"/>
+              <a:t>Конкурс</a:t>
+            </a:r>
+            <a:endParaRPr lang="ru-RU" dirty="0"/>
+          </a:p>
+        </p:txBody>
+      </p:sp>
+      <p:sp>
+        <p:nvSpPr>
+          <p:cNvPr id="3" name="Объект 2"/>
+          <p:cNvSpPr>
+            <a:spLocks noGrp="1"/>
+          </p:cNvSpPr>
+          <p:nvPr>
+            <p:ph idx="1"/>
+          </p:nvPr>
+        </p:nvSpPr>
+        <p:spPr>
+          <a:xfrm>
+            <a:off x="1511300" y="1963103"/>
+            <a:ext cx="9169400" cy="4517072"/>
+          </a:xfrm>
+        </p:spPr>
+        <p:txBody>
+          <a:bodyPr vert="horz" lIns="91440" tIns="45720" rIns="91440" bIns="45720" rtlCol="0" anchor="t">
+            <a:normAutofit/>
+          </a:bodyPr>
+          <a:lstStyle/>
+          <a:p>
+            <a:r>
+              <a:rPr lang="RU-RU" dirty="0">
+                <a:solidFill>
+                  <a:srgbClr val="1F4D78"/>
+                </a:solidFill>
+                <a:latin typeface="Calibri Light"/>
+              </a:rPr>
+              <a:t>Вариант В (сложное) </a:t>
+            </a:r>
+            <a:endParaRPr lang="RU-RU" dirty="0">
+              <a:solidFill>
+                <a:schemeClr val="tx1"/>
+              </a:solidFill>
+              <a:latin typeface="Calibri Light"/>
+            </a:endParaRPr>
+          </a:p>
+          <a:p>
+            <a:r>
+              <a:rPr lang="RU-RU" dirty="0">
+                <a:solidFill>
+                  <a:schemeClr val="tx1"/>
+                </a:solidFill>
+                <a:latin typeface="Calibri"/>
+              </a:rPr>
+              <a:t>Напишите </a:t>
+            </a:r>
+            <a:r>
+              <a:rPr lang="RU-RU" dirty="0" err="1">
+                <a:solidFill>
+                  <a:schemeClr val="tx1"/>
+                </a:solidFill>
+                <a:latin typeface="Calibri"/>
+              </a:rPr>
+              <a:t>кликер</a:t>
+            </a:r>
+            <a:r>
+              <a:rPr lang="RU-RU" dirty="0">
+                <a:solidFill>
+                  <a:schemeClr val="tx1"/>
+                </a:solidFill>
+                <a:latin typeface="Calibri"/>
+              </a:rPr>
+              <a:t> или </a:t>
+            </a:r>
+            <a:r>
+              <a:rPr lang="RU-RU" dirty="0" err="1">
+                <a:solidFill>
+                  <a:schemeClr val="tx1"/>
+                </a:solidFill>
+                <a:latin typeface="Calibri"/>
+              </a:rPr>
+              <a:t>платформер</a:t>
+            </a:r>
+            <a:r>
+              <a:rPr lang="RU-RU" dirty="0">
+                <a:solidFill>
+                  <a:schemeClr val="tx1"/>
+                </a:solidFill>
+                <a:latin typeface="Calibri"/>
+              </a:rPr>
+              <a:t> на удобную для вас тему с использованием </a:t>
+            </a:r>
+            <a:r>
+              <a:rPr lang="RU-RU" dirty="0" err="1">
+                <a:solidFill>
+                  <a:schemeClr val="tx1"/>
+                </a:solidFill>
+                <a:latin typeface="Calibri"/>
+              </a:rPr>
+              <a:t>LibGDX</a:t>
+            </a:r>
+            <a:r>
+              <a:rPr lang="RU-RU" dirty="0">
+                <a:solidFill>
+                  <a:schemeClr val="tx1"/>
+                </a:solidFill>
+                <a:latin typeface="Calibri"/>
+              </a:rPr>
+              <a:t>. </a:t>
+            </a:r>
+            <a:r>
+              <a:rPr lang="AF-ZA" dirty="0">
+                <a:solidFill>
+                  <a:schemeClr val="tx1"/>
+                </a:solidFill>
+                <a:latin typeface="Calibri"/>
+              </a:rPr>
+              <a:t> </a:t>
+            </a:r>
+          </a:p>
+          <a:p>
+            <a:r>
+              <a:rPr lang="RU-RU" dirty="0">
+                <a:solidFill>
+                  <a:schemeClr val="tx1"/>
+                </a:solidFill>
+                <a:latin typeface="Calibri"/>
+              </a:rPr>
+              <a:t>Арт и спрайты можно взять тут: </a:t>
+            </a:r>
+            <a:r>
+              <a:rPr lang="RU-RU" u="sng" dirty="0">
+                <a:solidFill>
+                  <a:srgbClr val="0563C1"/>
+                </a:solidFill>
+                <a:latin typeface="Calibri"/>
+                <a:hlinkClick r:id="rId3"/>
+              </a:rPr>
+              <a:t>http://opengameart.org/</a:t>
+            </a:r>
+            <a:r>
+              <a:rPr lang="RU-RU" dirty="0">
+                <a:solidFill>
+                  <a:schemeClr val="tx1"/>
+                </a:solidFill>
+                <a:latin typeface="Calibri"/>
+              </a:rPr>
+              <a:t> </a:t>
+            </a:r>
+            <a:r>
+              <a:rPr lang="AF-ZA" dirty="0">
+                <a:solidFill>
+                  <a:schemeClr val="tx1"/>
+                </a:solidFill>
+                <a:latin typeface="Calibri"/>
+              </a:rPr>
+              <a:t> </a:t>
+            </a:r>
+          </a:p>
+          <a:p>
+            <a:r>
+              <a:rPr lang="RU-RU" dirty="0">
+                <a:solidFill>
+                  <a:schemeClr val="tx1"/>
+                </a:solidFill>
+                <a:latin typeface="Calibri"/>
+              </a:rPr>
+              <a:t>Звуки и музыку тут: </a:t>
+            </a:r>
+            <a:r>
+              <a:rPr lang="RU-RU" u="sng" dirty="0">
+                <a:solidFill>
+                  <a:srgbClr val="0563C1"/>
+                </a:solidFill>
+                <a:latin typeface="Calibri"/>
+                <a:hlinkClick r:id="rId4"/>
+              </a:rPr>
+              <a:t>https://www.freesound.org/</a:t>
+            </a:r>
+            <a:r>
+              <a:rPr lang="RU-RU" dirty="0">
+                <a:solidFill>
+                  <a:schemeClr val="tx1"/>
+                </a:solidFill>
+                <a:latin typeface="Calibri"/>
+              </a:rPr>
+              <a:t> </a:t>
+            </a:r>
+            <a:endParaRPr lang="ru-RU" dirty="0">
+              <a:solidFill>
+                <a:schemeClr val="tx1"/>
+              </a:solidFill>
+              <a:latin typeface="Calibri"/>
+            </a:endParaRPr>
+          </a:p>
+          <a:p>
+            <a:endParaRPr lang="ru-RU">
+              <a:solidFill>
+                <a:schemeClr val="tx1"/>
+              </a:solidFill>
+            </a:endParaRPr>
+          </a:p>
+        </p:txBody>
+      </p:sp>
+    </p:spTree>
+    <p:extLst>
+      <p:ext uri="{BB962C8B-B14F-4D97-AF65-F5344CB8AC3E}">
+        <p14:creationId xmlns:p14="http://schemas.microsoft.com/office/powerpoint/2010/main" val="3001673175"/>
+      </p:ext>
+    </p:extLst>
+  </p:cSld>
+  <p:clrMapOvr>
+    <a:masterClrMapping/>
+  </p:clrMapOvr>
+</p:sld>
+</file>
+
+<file path=ppt/slides/slide9.xml><?xml version="1.0" encoding="utf-8"?>
+<p:sld xmlns:a="http://schemas.openxmlformats.org/drawingml/2006/main" xmlns:r="http://schemas.openxmlformats.org/officeDocument/2006/relationships" xmlns:p="http://schemas.openxmlformats.org/presentationml/2006/main">
+  <p:cSld>
+    <p:spTree>
+      <p:nvGrpSpPr>
+        <p:cNvPr id="1" name=""/>
+        <p:cNvGrpSpPr/>
+        <p:nvPr/>
+      </p:nvGrpSpPr>
+      <p:grpSpPr>
+        <a:xfrm>
+          <a:off x="0" y="0"/>
+          <a:ext cx="0" cy="0"/>
+          <a:chOff x="0" y="0"/>
+          <a:chExt cx="0" cy="0"/>
+        </a:xfrm>
+      </p:grpSpPr>
+      <p:sp>
+        <p:nvSpPr>
+          <p:cNvPr id="2" name="Заголовок 1"/>
+          <p:cNvSpPr>
+            <a:spLocks noGrp="1"/>
+          </p:cNvSpPr>
+          <p:nvPr>
+            <p:ph type="title"/>
+          </p:nvPr>
+        </p:nvSpPr>
+        <p:spPr/>
+        <p:txBody>
+          <a:bodyPr/>
+          <a:lstStyle/>
+          <a:p>
+            <a:r>
+              <a:rPr lang="RU-RU" dirty="0"/>
+              <a:t>Спасибо за внимание</a:t>
+            </a:r>
+            <a:endParaRPr lang="ru-RU" dirty="0"/>
+          </a:p>
+        </p:txBody>
+      </p:sp>
+      <p:sp>
+        <p:nvSpPr>
+          <p:cNvPr id="3" name="Объект 2"/>
+          <p:cNvSpPr>
+            <a:spLocks noGrp="1"/>
+          </p:cNvSpPr>
+          <p:nvPr>
+            <p:ph idx="1"/>
+          </p:nvPr>
+        </p:nvSpPr>
+        <p:spPr>
+          <a:xfrm>
+            <a:off x="1511300" y="1963103"/>
+            <a:ext cx="9169400" cy="4517072"/>
+          </a:xfrm>
+        </p:spPr>
+        <p:txBody>
+          <a:bodyPr>
+            <a:normAutofit/>
+          </a:bodyPr>
+          <a:lstStyle/>
+          <a:p>
+            <a:pPr algn="ctr"/>
+            <a:r>
+              <a:rPr lang="RU-RU" dirty="0">
+                <a:solidFill>
+                  <a:schemeClr val="tx1"/>
+                </a:solidFill>
+                <a:latin typeface="Calibri"/>
+              </a:rPr>
+              <a:t>Будем рады видеть вас на </a:t>
+            </a:r>
+            <a:endParaRPr lang="ru-RU" dirty="0">
+              <a:solidFill>
+                <a:schemeClr val="tx1"/>
+              </a:solidFill>
+              <a:latin typeface="Calibri"/>
+            </a:endParaRPr>
+          </a:p>
+          <a:p>
+            <a:pPr algn="ctr"/>
+            <a:r>
+              <a:rPr lang="AF-ZA" dirty="0">
+                <a:solidFill>
+                  <a:schemeClr val="tx1"/>
+                </a:solidFill>
+              </a:rPr>
+              <a:t>https://geekbrains.ru</a:t>
+            </a:r>
+          </a:p>
+          <a:p>
+            <a:pPr algn="ctr"/>
+            <a:endParaRPr lang="ru-RU">
+              <a:solidFill>
+                <a:schemeClr val="tx1"/>
+              </a:solidFill>
+            </a:endParaRPr>
+          </a:p>
+        </p:txBody>
+      </p:sp>
+    </p:spTree>
+    <p:extLst>
+      <p:ext uri="{BB962C8B-B14F-4D97-AF65-F5344CB8AC3E}">
+        <p14:creationId xmlns:p14="http://schemas.microsoft.com/office/powerpoint/2010/main" val="3053852014"/>
       </p:ext>
     </p:extLst>
   </p:cSld>
